--- a/CameraCalibration.pptx
+++ b/CameraCalibration.pptx
@@ -290,7 +290,7 @@
             <a:pPr rtl="0"/>
             <a:fld id="{CFC3AB43-A716-41D3-8542-E2B83FF90C30}" type="datetime1">
               <a:rPr lang="es-ES" smtClean="0"/>
-              <a:t>10/01/2019</a:t>
+              <a:t>14/01/2019</a:t>
             </a:fld>
             <a:endParaRPr lang="es-ES" dirty="0"/>
           </a:p>
@@ -459,7 +459,7 @@
             <a:fld id="{B99415C8-EA5F-40DA-B692-F57629F0830E}" type="datetime1">
               <a:rPr lang="es-ES" noProof="0" smtClean="0"/>
               <a:pPr/>
-              <a:t>10/01/2019</a:t>
+              <a:t>14/01/2019</a:t>
             </a:fld>
             <a:endParaRPr lang="es-ES" noProof="0" dirty="0"/>
           </a:p>
@@ -1239,7 +1239,7 @@
             <a:fld id="{D3E5EB10-21A3-46AF-9F87-719B4871B7E9}" type="datetime1">
               <a:rPr lang="es-ES" noProof="0" smtClean="0"/>
               <a:pPr/>
-              <a:t>10/01/2019</a:t>
+              <a:t>14/01/2019</a:t>
             </a:fld>
             <a:endParaRPr lang="es-ES" noProof="0" dirty="0"/>
           </a:p>
@@ -1441,7 +1441,7 @@
             <a:fld id="{1B150DC9-D51B-4532-9742-17D563F7B844}" type="datetime1">
               <a:rPr lang="es-ES" noProof="0" smtClean="0"/>
               <a:pPr/>
-              <a:t>10/01/2019</a:t>
+              <a:t>14/01/2019</a:t>
             </a:fld>
             <a:endParaRPr lang="es-ES" noProof="0" dirty="0"/>
           </a:p>
@@ -1648,7 +1648,7 @@
             <a:fld id="{435D6C72-29E8-4745-90E7-3DCDC3BB08B1}" type="datetime1">
               <a:rPr lang="es-ES" noProof="0" smtClean="0"/>
               <a:pPr/>
-              <a:t>10/01/2019</a:t>
+              <a:t>14/01/2019</a:t>
             </a:fld>
             <a:endParaRPr lang="es-ES" noProof="0" dirty="0"/>
           </a:p>
@@ -1845,7 +1845,7 @@
             <a:fld id="{18582301-5656-41C5-859E-C3578B1613A0}" type="datetime1">
               <a:rPr lang="es-ES" noProof="0" smtClean="0"/>
               <a:pPr/>
-              <a:t>10/01/2019</a:t>
+              <a:t>14/01/2019</a:t>
             </a:fld>
             <a:endParaRPr lang="es-ES" noProof="0" dirty="0"/>
           </a:p>
@@ -2122,7 +2122,7 @@
             <a:fld id="{98063A5B-0A71-4EE0-8ADD-6A894F185F26}" type="datetime1">
               <a:rPr lang="es-ES" noProof="0" smtClean="0"/>
               <a:pPr/>
-              <a:t>10/01/2019</a:t>
+              <a:t>14/01/2019</a:t>
             </a:fld>
             <a:endParaRPr lang="es-ES" noProof="0" dirty="0"/>
           </a:p>
@@ -2441,7 +2441,7 @@
             <a:fld id="{C0E0A9B6-D611-4A47-BC84-432D674749BC}" type="datetime1">
               <a:rPr lang="es-ES" noProof="0" smtClean="0"/>
               <a:pPr/>
-              <a:t>10/01/2019</a:t>
+              <a:t>14/01/2019</a:t>
             </a:fld>
             <a:endParaRPr lang="es-ES" noProof="0" dirty="0"/>
           </a:p>
@@ -2905,7 +2905,7 @@
             <a:fld id="{4A9FB027-3733-4D18-9487-B5EE970DC99F}" type="datetime1">
               <a:rPr lang="es-ES" noProof="0" smtClean="0"/>
               <a:pPr/>
-              <a:t>10/01/2019</a:t>
+              <a:t>14/01/2019</a:t>
             </a:fld>
             <a:endParaRPr lang="es-ES" noProof="0" dirty="0"/>
           </a:p>
@@ -3050,7 +3050,7 @@
             <a:fld id="{C74CDD08-FBA2-4EDF-8E1E-C931D29CAE1C}" type="datetime1">
               <a:rPr lang="es-ES" noProof="0" smtClean="0"/>
               <a:pPr/>
-              <a:t>10/01/2019</a:t>
+              <a:t>14/01/2019</a:t>
             </a:fld>
             <a:endParaRPr lang="es-ES" noProof="0" dirty="0"/>
           </a:p>
@@ -3167,7 +3167,7 @@
             <a:fld id="{92EEC9CC-5F6E-41D6-9BA1-1B03DDFF2A74}" type="datetime1">
               <a:rPr lang="es-ES" noProof="0" smtClean="0"/>
               <a:pPr/>
-              <a:t>10/01/2019</a:t>
+              <a:t>14/01/2019</a:t>
             </a:fld>
             <a:endParaRPr lang="es-ES" noProof="0" dirty="0"/>
           </a:p>
@@ -3486,7 +3486,7 @@
             <a:fld id="{793776FF-CBB8-47A4-90DF-2EBF2E3DC8FF}" type="datetime1">
               <a:rPr lang="es-ES" noProof="0" smtClean="0"/>
               <a:pPr/>
-              <a:t>10/01/2019</a:t>
+              <a:t>14/01/2019</a:t>
             </a:fld>
             <a:endParaRPr lang="es-ES" noProof="0" dirty="0"/>
           </a:p>
@@ -3966,7 +3966,7 @@
             <a:fld id="{9FD2ED8E-5314-4CC6-97E3-FFA8A74630E9}" type="datetime1">
               <a:rPr lang="es-ES" noProof="0" smtClean="0"/>
               <a:pPr/>
-              <a:t>10/01/2019</a:t>
+              <a:t>14/01/2019</a:t>
             </a:fld>
             <a:endParaRPr lang="es-ES" noProof="0" dirty="0"/>
           </a:p>
@@ -4947,6 +4947,11 @@
           </p:cNvGraphicFramePr>
           <p:nvPr>
             <p:ph idx="1"/>
+            <p:extLst>
+              <p:ext uri="{D42A27DB-BD31-4B8C-83A1-F6EECF244321}">
+                <p14:modId xmlns:p14="http://schemas.microsoft.com/office/powerpoint/2010/main" val="2317210676"/>
+              </p:ext>
+            </p:extLst>
           </p:nvPr>
         </p:nvGraphicFramePr>
         <p:xfrm>
@@ -5114,47 +5119,62 @@
                     <a:bodyPr/>
                     <a:lstStyle/>
                     <a:p>
-                      <a:endParaRPr lang="es-PE" dirty="0"/>
-                    </a:p>
-                  </a:txBody>
-                  <a:tcPr/>
-                </a:tc>
-                <a:tc>
-                  <a:txBody>
-                    <a:bodyPr/>
-                    <a:lstStyle/>
-                    <a:p>
-                      <a:endParaRPr lang="es-PE" dirty="0"/>
-                    </a:p>
-                  </a:txBody>
-                  <a:tcPr/>
-                </a:tc>
-                <a:tc>
-                  <a:txBody>
-                    <a:bodyPr/>
-                    <a:lstStyle/>
-                    <a:p>
-                      <a:endParaRPr lang="es-PE" dirty="0"/>
-                    </a:p>
-                  </a:txBody>
-                  <a:tcPr/>
-                </a:tc>
-                <a:tc>
-                  <a:txBody>
-                    <a:bodyPr/>
-                    <a:lstStyle/>
-                    <a:p>
-                      <a:endParaRPr lang="es-PE" dirty="0"/>
-                    </a:p>
-                  </a:txBody>
-                  <a:tcPr/>
-                </a:tc>
-                <a:tc>
-                  <a:txBody>
-                    <a:bodyPr/>
-                    <a:lstStyle/>
-                    <a:p>
-                      <a:endParaRPr lang="es-PE"/>
+                      <a:r>
+                        <a:rPr lang="es-PE" dirty="0"/>
+                        <a:t>666</a:t>
+                      </a:r>
+                    </a:p>
+                  </a:txBody>
+                  <a:tcPr/>
+                </a:tc>
+                <a:tc>
+                  <a:txBody>
+                    <a:bodyPr/>
+                    <a:lstStyle/>
+                    <a:p>
+                      <a:r>
+                        <a:rPr lang="es-PE" dirty="0"/>
+                        <a:t>664</a:t>
+                      </a:r>
+                    </a:p>
+                  </a:txBody>
+                  <a:tcPr/>
+                </a:tc>
+                <a:tc>
+                  <a:txBody>
+                    <a:bodyPr/>
+                    <a:lstStyle/>
+                    <a:p>
+                      <a:r>
+                        <a:rPr lang="es-PE" dirty="0"/>
+                        <a:t>338</a:t>
+                      </a:r>
+                    </a:p>
+                  </a:txBody>
+                  <a:tcPr/>
+                </a:tc>
+                <a:tc>
+                  <a:txBody>
+                    <a:bodyPr/>
+                    <a:lstStyle/>
+                    <a:p>
+                      <a:r>
+                        <a:rPr lang="es-PE" dirty="0"/>
+                        <a:t>257</a:t>
+                      </a:r>
+                    </a:p>
+                  </a:txBody>
+                  <a:tcPr/>
+                </a:tc>
+                <a:tc>
+                  <a:txBody>
+                    <a:bodyPr/>
+                    <a:lstStyle/>
+                    <a:p>
+                      <a:r>
+                        <a:rPr lang="es-PE" dirty="0"/>
+                        <a:t>0.423</a:t>
+                      </a:r>
                     </a:p>
                   </a:txBody>
                   <a:tcPr/>
@@ -5189,47 +5209,62 @@
                     <a:bodyPr/>
                     <a:lstStyle/>
                     <a:p>
-                      <a:endParaRPr lang="es-PE" dirty="0"/>
-                    </a:p>
-                  </a:txBody>
-                  <a:tcPr/>
-                </a:tc>
-                <a:tc>
-                  <a:txBody>
-                    <a:bodyPr/>
-                    <a:lstStyle/>
-                    <a:p>
-                      <a:endParaRPr lang="es-PE"/>
-                    </a:p>
-                  </a:txBody>
-                  <a:tcPr/>
-                </a:tc>
-                <a:tc>
-                  <a:txBody>
-                    <a:bodyPr/>
-                    <a:lstStyle/>
-                    <a:p>
-                      <a:endParaRPr lang="es-PE"/>
-                    </a:p>
-                  </a:txBody>
-                  <a:tcPr/>
-                </a:tc>
-                <a:tc>
-                  <a:txBody>
-                    <a:bodyPr/>
-                    <a:lstStyle/>
-                    <a:p>
-                      <a:endParaRPr lang="es-PE"/>
-                    </a:p>
-                  </a:txBody>
-                  <a:tcPr/>
-                </a:tc>
-                <a:tc>
-                  <a:txBody>
-                    <a:bodyPr/>
-                    <a:lstStyle/>
-                    <a:p>
-                      <a:endParaRPr lang="es-PE"/>
+                      <a:r>
+                        <a:rPr lang="es-PE" dirty="0"/>
+                        <a:t>750</a:t>
+                      </a:r>
+                    </a:p>
+                  </a:txBody>
+                  <a:tcPr/>
+                </a:tc>
+                <a:tc>
+                  <a:txBody>
+                    <a:bodyPr/>
+                    <a:lstStyle/>
+                    <a:p>
+                      <a:r>
+                        <a:rPr lang="es-PE" dirty="0"/>
+                        <a:t>755</a:t>
+                      </a:r>
+                    </a:p>
+                  </a:txBody>
+                  <a:tcPr/>
+                </a:tc>
+                <a:tc>
+                  <a:txBody>
+                    <a:bodyPr/>
+                    <a:lstStyle/>
+                    <a:p>
+                      <a:r>
+                        <a:rPr lang="es-PE" dirty="0"/>
+                        <a:t>355</a:t>
+                      </a:r>
+                    </a:p>
+                  </a:txBody>
+                  <a:tcPr/>
+                </a:tc>
+                <a:tc>
+                  <a:txBody>
+                    <a:bodyPr/>
+                    <a:lstStyle/>
+                    <a:p>
+                      <a:r>
+                        <a:rPr lang="es-PE" dirty="0"/>
+                        <a:t>258</a:t>
+                      </a:r>
+                    </a:p>
+                  </a:txBody>
+                  <a:tcPr/>
+                </a:tc>
+                <a:tc>
+                  <a:txBody>
+                    <a:bodyPr/>
+                    <a:lstStyle/>
+                    <a:p>
+                      <a:r>
+                        <a:rPr lang="es-PE" dirty="0"/>
+                        <a:t>0.685</a:t>
+                      </a:r>
                     </a:p>
                   </a:txBody>
                   <a:tcPr/>
@@ -5264,47 +5299,62 @@
                     <a:bodyPr/>
                     <a:lstStyle/>
                     <a:p>
-                      <a:endParaRPr lang="es-PE" dirty="0"/>
-                    </a:p>
-                  </a:txBody>
-                  <a:tcPr/>
-                </a:tc>
-                <a:tc>
-                  <a:txBody>
-                    <a:bodyPr/>
-                    <a:lstStyle/>
-                    <a:p>
-                      <a:endParaRPr lang="es-PE"/>
-                    </a:p>
-                  </a:txBody>
-                  <a:tcPr/>
-                </a:tc>
-                <a:tc>
-                  <a:txBody>
-                    <a:bodyPr/>
-                    <a:lstStyle/>
-                    <a:p>
-                      <a:endParaRPr lang="es-PE"/>
-                    </a:p>
-                  </a:txBody>
-                  <a:tcPr/>
-                </a:tc>
-                <a:tc>
-                  <a:txBody>
-                    <a:bodyPr/>
-                    <a:lstStyle/>
-                    <a:p>
-                      <a:endParaRPr lang="es-PE"/>
-                    </a:p>
-                  </a:txBody>
-                  <a:tcPr/>
-                </a:tc>
-                <a:tc>
-                  <a:txBody>
-                    <a:bodyPr/>
-                    <a:lstStyle/>
-                    <a:p>
-                      <a:endParaRPr lang="es-PE" dirty="0"/>
+                      <a:r>
+                        <a:rPr lang="es-PE" dirty="0"/>
+                        <a:t>101</a:t>
+                      </a:r>
+                    </a:p>
+                  </a:txBody>
+                  <a:tcPr/>
+                </a:tc>
+                <a:tc>
+                  <a:txBody>
+                    <a:bodyPr/>
+                    <a:lstStyle/>
+                    <a:p>
+                      <a:r>
+                        <a:rPr lang="es-PE" dirty="0"/>
+                        <a:t>108</a:t>
+                      </a:r>
+                    </a:p>
+                  </a:txBody>
+                  <a:tcPr/>
+                </a:tc>
+                <a:tc>
+                  <a:txBody>
+                    <a:bodyPr/>
+                    <a:lstStyle/>
+                    <a:p>
+                      <a:r>
+                        <a:rPr lang="es-PE" dirty="0"/>
+                        <a:t>280</a:t>
+                      </a:r>
+                    </a:p>
+                  </a:txBody>
+                  <a:tcPr/>
+                </a:tc>
+                <a:tc>
+                  <a:txBody>
+                    <a:bodyPr/>
+                    <a:lstStyle/>
+                    <a:p>
+                      <a:r>
+                        <a:rPr lang="es-PE" dirty="0"/>
+                        <a:t>353</a:t>
+                      </a:r>
+                    </a:p>
+                  </a:txBody>
+                  <a:tcPr/>
+                </a:tc>
+                <a:tc>
+                  <a:txBody>
+                    <a:bodyPr/>
+                    <a:lstStyle/>
+                    <a:p>
+                      <a:r>
+                        <a:rPr lang="es-PE" dirty="0"/>
+                        <a:t>32</a:t>
+                      </a:r>
                     </a:p>
                   </a:txBody>
                   <a:tcPr/>
@@ -5419,7 +5469,7 @@
             <p:ph idx="1"/>
             <p:extLst>
               <p:ext uri="{D42A27DB-BD31-4B8C-83A1-F6EECF244321}">
-                <p14:modId xmlns:p14="http://schemas.microsoft.com/office/powerpoint/2010/main" val="2912407003"/>
+                <p14:modId xmlns:p14="http://schemas.microsoft.com/office/powerpoint/2010/main" val="746347027"/>
               </p:ext>
             </p:extLst>
           </p:nvPr>
@@ -5771,7 +5821,7 @@
                     <a:p>
                       <a:r>
                         <a:rPr lang="es-PE" dirty="0"/>
-                        <a:t>83.7</a:t>
+                        <a:t>572</a:t>
                       </a:r>
                     </a:p>
                   </a:txBody>
@@ -5784,7 +5834,7 @@
                     <a:p>
                       <a:r>
                         <a:rPr lang="es-PE" dirty="0"/>
-                        <a:t>89.5</a:t>
+                        <a:t>570</a:t>
                       </a:r>
                     </a:p>
                   </a:txBody>
@@ -5797,22 +5847,8 @@
                     <a:p>
                       <a:r>
                         <a:rPr lang="es-PE" dirty="0"/>
-                        <a:t>302</a:t>
-                      </a:r>
-                    </a:p>
-                  </a:txBody>
-                  <a:tcPr/>
-                </a:tc>
-                <a:tc>
-                  <a:txBody>
-                    <a:bodyPr/>
-                    <a:lstStyle/>
-                    <a:p>
-                      <a:r>
-                        <a:rPr lang="es-PE"/>
-                        <a:t>207</a:t>
-                      </a:r>
-                      <a:endParaRPr lang="es-PE" dirty="0"/>
+                        <a:t>348</a:t>
+                      </a:r>
                     </a:p>
                   </a:txBody>
                   <a:tcPr/>
@@ -5824,7 +5860,20 @@
                     <a:p>
                       <a:r>
                         <a:rPr lang="es-PE" dirty="0"/>
-                        <a:t>15.16</a:t>
+                        <a:t>161</a:t>
+                      </a:r>
+                    </a:p>
+                  </a:txBody>
+                  <a:tcPr/>
+                </a:tc>
+                <a:tc>
+                  <a:txBody>
+                    <a:bodyPr/>
+                    <a:lstStyle/>
+                    <a:p>
+                      <a:r>
+                        <a:rPr lang="es-PE" dirty="0"/>
+                        <a:t>0.113</a:t>
                       </a:r>
                     </a:p>
                   </a:txBody>
@@ -5938,6 +5987,11 @@
           </p:cNvGraphicFramePr>
           <p:nvPr>
             <p:ph idx="1"/>
+            <p:extLst>
+              <p:ext uri="{D42A27DB-BD31-4B8C-83A1-F6EECF244321}">
+                <p14:modId xmlns:p14="http://schemas.microsoft.com/office/powerpoint/2010/main" val="3386260002"/>
+              </p:ext>
+            </p:extLst>
           </p:nvPr>
         </p:nvGraphicFramePr>
         <p:xfrm>
@@ -6105,47 +6159,62 @@
                     <a:bodyPr/>
                     <a:lstStyle/>
                     <a:p>
-                      <a:endParaRPr lang="es-PE" dirty="0"/>
-                    </a:p>
-                  </a:txBody>
-                  <a:tcPr/>
-                </a:tc>
-                <a:tc>
-                  <a:txBody>
-                    <a:bodyPr/>
-                    <a:lstStyle/>
-                    <a:p>
-                      <a:endParaRPr lang="es-PE" dirty="0"/>
-                    </a:p>
-                  </a:txBody>
-                  <a:tcPr/>
-                </a:tc>
-                <a:tc>
-                  <a:txBody>
-                    <a:bodyPr/>
-                    <a:lstStyle/>
-                    <a:p>
-                      <a:endParaRPr lang="es-PE" dirty="0"/>
-                    </a:p>
-                  </a:txBody>
-                  <a:tcPr/>
-                </a:tc>
-                <a:tc>
-                  <a:txBody>
-                    <a:bodyPr/>
-                    <a:lstStyle/>
-                    <a:p>
-                      <a:endParaRPr lang="es-PE" dirty="0"/>
-                    </a:p>
-                  </a:txBody>
-                  <a:tcPr/>
-                </a:tc>
-                <a:tc>
-                  <a:txBody>
-                    <a:bodyPr/>
-                    <a:lstStyle/>
-                    <a:p>
-                      <a:endParaRPr lang="es-PE"/>
+                      <a:r>
+                        <a:rPr lang="es-PE" dirty="0"/>
+                        <a:t>482</a:t>
+                      </a:r>
+                    </a:p>
+                  </a:txBody>
+                  <a:tcPr/>
+                </a:tc>
+                <a:tc>
+                  <a:txBody>
+                    <a:bodyPr/>
+                    <a:lstStyle/>
+                    <a:p>
+                      <a:r>
+                        <a:rPr lang="es-PE" dirty="0"/>
+                        <a:t>481</a:t>
+                      </a:r>
+                    </a:p>
+                  </a:txBody>
+                  <a:tcPr/>
+                </a:tc>
+                <a:tc>
+                  <a:txBody>
+                    <a:bodyPr/>
+                    <a:lstStyle/>
+                    <a:p>
+                      <a:r>
+                        <a:rPr lang="es-PE" dirty="0"/>
+                        <a:t>326</a:t>
+                      </a:r>
+                    </a:p>
+                  </a:txBody>
+                  <a:tcPr/>
+                </a:tc>
+                <a:tc>
+                  <a:txBody>
+                    <a:bodyPr/>
+                    <a:lstStyle/>
+                    <a:p>
+                      <a:r>
+                        <a:rPr lang="es-PE" dirty="0"/>
+                        <a:t>161</a:t>
+                      </a:r>
+                    </a:p>
+                  </a:txBody>
+                  <a:tcPr/>
+                </a:tc>
+                <a:tc>
+                  <a:txBody>
+                    <a:bodyPr/>
+                    <a:lstStyle/>
+                    <a:p>
+                      <a:r>
+                        <a:rPr lang="es-PE" dirty="0"/>
+                        <a:t>0.262</a:t>
+                      </a:r>
                     </a:p>
                   </a:txBody>
                   <a:tcPr/>
@@ -6180,47 +6249,62 @@
                     <a:bodyPr/>
                     <a:lstStyle/>
                     <a:p>
-                      <a:endParaRPr lang="es-PE" dirty="0"/>
-                    </a:p>
-                  </a:txBody>
-                  <a:tcPr/>
-                </a:tc>
-                <a:tc>
-                  <a:txBody>
-                    <a:bodyPr/>
-                    <a:lstStyle/>
-                    <a:p>
-                      <a:endParaRPr lang="es-PE"/>
-                    </a:p>
-                  </a:txBody>
-                  <a:tcPr/>
-                </a:tc>
-                <a:tc>
-                  <a:txBody>
-                    <a:bodyPr/>
-                    <a:lstStyle/>
-                    <a:p>
-                      <a:endParaRPr lang="es-PE"/>
-                    </a:p>
-                  </a:txBody>
-                  <a:tcPr/>
-                </a:tc>
-                <a:tc>
-                  <a:txBody>
-                    <a:bodyPr/>
-                    <a:lstStyle/>
-                    <a:p>
-                      <a:endParaRPr lang="es-PE"/>
-                    </a:p>
-                  </a:txBody>
-                  <a:tcPr/>
-                </a:tc>
-                <a:tc>
-                  <a:txBody>
-                    <a:bodyPr/>
-                    <a:lstStyle/>
-                    <a:p>
-                      <a:endParaRPr lang="es-PE"/>
+                      <a:r>
+                        <a:rPr lang="es-PE" dirty="0"/>
+                        <a:t>521</a:t>
+                      </a:r>
+                    </a:p>
+                  </a:txBody>
+                  <a:tcPr/>
+                </a:tc>
+                <a:tc>
+                  <a:txBody>
+                    <a:bodyPr/>
+                    <a:lstStyle/>
+                    <a:p>
+                      <a:r>
+                        <a:rPr lang="es-PE" dirty="0"/>
+                        <a:t>520</a:t>
+                      </a:r>
+                    </a:p>
+                  </a:txBody>
+                  <a:tcPr/>
+                </a:tc>
+                <a:tc>
+                  <a:txBody>
+                    <a:bodyPr/>
+                    <a:lstStyle/>
+                    <a:p>
+                      <a:r>
+                        <a:rPr lang="es-PE" dirty="0"/>
+                        <a:t>336</a:t>
+                      </a:r>
+                    </a:p>
+                  </a:txBody>
+                  <a:tcPr/>
+                </a:tc>
+                <a:tc>
+                  <a:txBody>
+                    <a:bodyPr/>
+                    <a:lstStyle/>
+                    <a:p>
+                      <a:r>
+                        <a:rPr lang="es-PE" dirty="0"/>
+                        <a:t>175</a:t>
+                      </a:r>
+                    </a:p>
+                  </a:txBody>
+                  <a:tcPr/>
+                </a:tc>
+                <a:tc>
+                  <a:txBody>
+                    <a:bodyPr/>
+                    <a:lstStyle/>
+                    <a:p>
+                      <a:r>
+                        <a:rPr lang="es-PE" dirty="0"/>
+                        <a:t>0.319</a:t>
+                      </a:r>
                     </a:p>
                   </a:txBody>
                   <a:tcPr/>
@@ -6255,47 +6339,62 @@
                     <a:bodyPr/>
                     <a:lstStyle/>
                     <a:p>
-                      <a:endParaRPr lang="es-PE" dirty="0"/>
-                    </a:p>
-                  </a:txBody>
-                  <a:tcPr/>
-                </a:tc>
-                <a:tc>
-                  <a:txBody>
-                    <a:bodyPr/>
-                    <a:lstStyle/>
-                    <a:p>
-                      <a:endParaRPr lang="es-PE"/>
-                    </a:p>
-                  </a:txBody>
-                  <a:tcPr/>
-                </a:tc>
-                <a:tc>
-                  <a:txBody>
-                    <a:bodyPr/>
-                    <a:lstStyle/>
-                    <a:p>
-                      <a:endParaRPr lang="es-PE"/>
-                    </a:p>
-                  </a:txBody>
-                  <a:tcPr/>
-                </a:tc>
-                <a:tc>
-                  <a:txBody>
-                    <a:bodyPr/>
-                    <a:lstStyle/>
-                    <a:p>
-                      <a:endParaRPr lang="es-PE"/>
-                    </a:p>
-                  </a:txBody>
-                  <a:tcPr/>
-                </a:tc>
-                <a:tc>
-                  <a:txBody>
-                    <a:bodyPr/>
-                    <a:lstStyle/>
-                    <a:p>
-                      <a:endParaRPr lang="es-PE" dirty="0"/>
+                      <a:r>
+                        <a:rPr lang="es-PE" dirty="0"/>
+                        <a:t>508</a:t>
+                      </a:r>
+                    </a:p>
+                  </a:txBody>
+                  <a:tcPr/>
+                </a:tc>
+                <a:tc>
+                  <a:txBody>
+                    <a:bodyPr/>
+                    <a:lstStyle/>
+                    <a:p>
+                      <a:r>
+                        <a:rPr lang="es-PE" dirty="0"/>
+                        <a:t>506</a:t>
+                      </a:r>
+                    </a:p>
+                  </a:txBody>
+                  <a:tcPr/>
+                </a:tc>
+                <a:tc>
+                  <a:txBody>
+                    <a:bodyPr/>
+                    <a:lstStyle/>
+                    <a:p>
+                      <a:r>
+                        <a:rPr lang="es-PE" dirty="0"/>
+                        <a:t>345</a:t>
+                      </a:r>
+                    </a:p>
+                  </a:txBody>
+                  <a:tcPr/>
+                </a:tc>
+                <a:tc>
+                  <a:txBody>
+                    <a:bodyPr/>
+                    <a:lstStyle/>
+                    <a:p>
+                      <a:r>
+                        <a:rPr lang="es-PE" dirty="0"/>
+                        <a:t>168</a:t>
+                      </a:r>
+                    </a:p>
+                  </a:txBody>
+                  <a:tcPr/>
+                </a:tc>
+                <a:tc>
+                  <a:txBody>
+                    <a:bodyPr/>
+                    <a:lstStyle/>
+                    <a:p>
+                      <a:r>
+                        <a:rPr lang="es-PE" dirty="0"/>
+                        <a:t>0.460</a:t>
+                      </a:r>
                     </a:p>
                   </a:txBody>
                   <a:tcPr/>
@@ -6410,7 +6509,7 @@
             <p:ph idx="1"/>
             <p:extLst>
               <p:ext uri="{D42A27DB-BD31-4B8C-83A1-F6EECF244321}">
-                <p14:modId xmlns:p14="http://schemas.microsoft.com/office/powerpoint/2010/main" val="3762667673"/>
+                <p14:modId xmlns:p14="http://schemas.microsoft.com/office/powerpoint/2010/main" val="3870982335"/>
               </p:ext>
             </p:extLst>
           </p:nvPr>
@@ -6582,7 +6681,7 @@
                     <a:p>
                       <a:r>
                         <a:rPr lang="es-PE" dirty="0"/>
-                        <a:t>329</a:t>
+                        <a:t>517</a:t>
                       </a:r>
                     </a:p>
                   </a:txBody>
@@ -6595,7 +6694,7 @@
                     <a:p>
                       <a:r>
                         <a:rPr lang="es-PE" dirty="0"/>
-                        <a:t>329</a:t>
+                        <a:t>518</a:t>
                       </a:r>
                     </a:p>
                   </a:txBody>
@@ -6608,7 +6707,7 @@
                     <a:p>
                       <a:r>
                         <a:rPr lang="es-PE" dirty="0"/>
-                        <a:t>328</a:t>
+                        <a:t>327</a:t>
                       </a:r>
                     </a:p>
                   </a:txBody>
@@ -6621,7 +6720,7 @@
                     <a:p>
                       <a:r>
                         <a:rPr lang="es-PE" dirty="0"/>
-                        <a:t>158</a:t>
+                        <a:t>174</a:t>
                       </a:r>
                     </a:p>
                   </a:txBody>
@@ -6634,7 +6733,7 @@
                     <a:p>
                       <a:r>
                         <a:rPr lang="es-PE" dirty="0"/>
-                        <a:t>0.217</a:t>
+                        <a:t>0.458</a:t>
                       </a:r>
                     </a:p>
                   </a:txBody>
@@ -6670,47 +6769,62 @@
                     <a:bodyPr/>
                     <a:lstStyle/>
                     <a:p>
-                      <a:endParaRPr lang="es-PE" dirty="0"/>
-                    </a:p>
-                  </a:txBody>
-                  <a:tcPr/>
-                </a:tc>
-                <a:tc>
-                  <a:txBody>
-                    <a:bodyPr/>
-                    <a:lstStyle/>
-                    <a:p>
-                      <a:endParaRPr lang="es-PE" dirty="0"/>
-                    </a:p>
-                  </a:txBody>
-                  <a:tcPr/>
-                </a:tc>
-                <a:tc>
-                  <a:txBody>
-                    <a:bodyPr/>
-                    <a:lstStyle/>
-                    <a:p>
-                      <a:endParaRPr lang="es-PE" dirty="0"/>
-                    </a:p>
-                  </a:txBody>
-                  <a:tcPr/>
-                </a:tc>
-                <a:tc>
-                  <a:txBody>
-                    <a:bodyPr/>
-                    <a:lstStyle/>
-                    <a:p>
-                      <a:endParaRPr lang="es-PE" dirty="0"/>
-                    </a:p>
-                  </a:txBody>
-                  <a:tcPr/>
-                </a:tc>
-                <a:tc>
-                  <a:txBody>
-                    <a:bodyPr/>
-                    <a:lstStyle/>
-                    <a:p>
-                      <a:endParaRPr lang="es-PE"/>
+                      <a:r>
+                        <a:rPr lang="es-PE" dirty="0"/>
+                        <a:t>511</a:t>
+                      </a:r>
+                    </a:p>
+                  </a:txBody>
+                  <a:tcPr/>
+                </a:tc>
+                <a:tc>
+                  <a:txBody>
+                    <a:bodyPr/>
+                    <a:lstStyle/>
+                    <a:p>
+                      <a:r>
+                        <a:rPr lang="es-PE" dirty="0"/>
+                        <a:t>511</a:t>
+                      </a:r>
+                    </a:p>
+                  </a:txBody>
+                  <a:tcPr/>
+                </a:tc>
+                <a:tc>
+                  <a:txBody>
+                    <a:bodyPr/>
+                    <a:lstStyle/>
+                    <a:p>
+                      <a:r>
+                        <a:rPr lang="es-PE" dirty="0"/>
+                        <a:t>328</a:t>
+                      </a:r>
+                    </a:p>
+                  </a:txBody>
+                  <a:tcPr/>
+                </a:tc>
+                <a:tc>
+                  <a:txBody>
+                    <a:bodyPr/>
+                    <a:lstStyle/>
+                    <a:p>
+                      <a:r>
+                        <a:rPr lang="es-PE" dirty="0"/>
+                        <a:t>173</a:t>
+                      </a:r>
+                    </a:p>
+                  </a:txBody>
+                  <a:tcPr/>
+                </a:tc>
+                <a:tc>
+                  <a:txBody>
+                    <a:bodyPr/>
+                    <a:lstStyle/>
+                    <a:p>
+                      <a:r>
+                        <a:rPr lang="es-PE" dirty="0"/>
+                        <a:t>0.305</a:t>
+                      </a:r>
                     </a:p>
                   </a:txBody>
                   <a:tcPr/>
@@ -6745,47 +6859,62 @@
                     <a:bodyPr/>
                     <a:lstStyle/>
                     <a:p>
-                      <a:endParaRPr lang="es-PE" dirty="0"/>
-                    </a:p>
-                  </a:txBody>
-                  <a:tcPr/>
-                </a:tc>
-                <a:tc>
-                  <a:txBody>
-                    <a:bodyPr/>
-                    <a:lstStyle/>
-                    <a:p>
-                      <a:endParaRPr lang="es-PE"/>
-                    </a:p>
-                  </a:txBody>
-                  <a:tcPr/>
-                </a:tc>
-                <a:tc>
-                  <a:txBody>
-                    <a:bodyPr/>
-                    <a:lstStyle/>
-                    <a:p>
-                      <a:endParaRPr lang="es-PE"/>
-                    </a:p>
-                  </a:txBody>
-                  <a:tcPr/>
-                </a:tc>
-                <a:tc>
-                  <a:txBody>
-                    <a:bodyPr/>
-                    <a:lstStyle/>
-                    <a:p>
-                      <a:endParaRPr lang="es-PE"/>
-                    </a:p>
-                  </a:txBody>
-                  <a:tcPr/>
-                </a:tc>
-                <a:tc>
-                  <a:txBody>
-                    <a:bodyPr/>
-                    <a:lstStyle/>
-                    <a:p>
-                      <a:endParaRPr lang="es-PE" dirty="0"/>
+                      <a:r>
+                        <a:rPr lang="es-PE" dirty="0"/>
+                        <a:t>487</a:t>
+                      </a:r>
+                    </a:p>
+                  </a:txBody>
+                  <a:tcPr/>
+                </a:tc>
+                <a:tc>
+                  <a:txBody>
+                    <a:bodyPr/>
+                    <a:lstStyle/>
+                    <a:p>
+                      <a:r>
+                        <a:rPr lang="es-PE" dirty="0"/>
+                        <a:t>489</a:t>
+                      </a:r>
+                    </a:p>
+                  </a:txBody>
+                  <a:tcPr/>
+                </a:tc>
+                <a:tc>
+                  <a:txBody>
+                    <a:bodyPr/>
+                    <a:lstStyle/>
+                    <a:p>
+                      <a:r>
+                        <a:rPr lang="es-PE" dirty="0"/>
+                        <a:t>326</a:t>
+                      </a:r>
+                    </a:p>
+                  </a:txBody>
+                  <a:tcPr/>
+                </a:tc>
+                <a:tc>
+                  <a:txBody>
+                    <a:bodyPr/>
+                    <a:lstStyle/>
+                    <a:p>
+                      <a:r>
+                        <a:rPr lang="es-PE" dirty="0"/>
+                        <a:t>196</a:t>
+                      </a:r>
+                    </a:p>
+                  </a:txBody>
+                  <a:tcPr/>
+                </a:tc>
+                <a:tc>
+                  <a:txBody>
+                    <a:bodyPr/>
+                    <a:lstStyle/>
+                    <a:p>
+                      <a:r>
+                        <a:rPr lang="es-PE" dirty="0"/>
+                        <a:t>0.546</a:t>
+                      </a:r>
                     </a:p>
                   </a:txBody>
                   <a:tcPr/>
@@ -8012,7 +8141,7 @@
             <p:ph idx="1"/>
             <p:extLst>
               <p:ext uri="{D42A27DB-BD31-4B8C-83A1-F6EECF244321}">
-                <p14:modId xmlns:p14="http://schemas.microsoft.com/office/powerpoint/2010/main" val="1732288937"/>
+                <p14:modId xmlns:p14="http://schemas.microsoft.com/office/powerpoint/2010/main" val="4140705595"/>
               </p:ext>
             </p:extLst>
           </p:nvPr>
@@ -8182,47 +8311,62 @@
                     <a:bodyPr/>
                     <a:lstStyle/>
                     <a:p>
-                      <a:endParaRPr lang="es-PE" dirty="0"/>
-                    </a:p>
-                  </a:txBody>
-                  <a:tcPr/>
-                </a:tc>
-                <a:tc>
-                  <a:txBody>
-                    <a:bodyPr/>
-                    <a:lstStyle/>
-                    <a:p>
-                      <a:endParaRPr lang="es-PE" dirty="0"/>
-                    </a:p>
-                  </a:txBody>
-                  <a:tcPr/>
-                </a:tc>
-                <a:tc>
-                  <a:txBody>
-                    <a:bodyPr/>
-                    <a:lstStyle/>
-                    <a:p>
-                      <a:endParaRPr lang="es-PE" dirty="0"/>
-                    </a:p>
-                  </a:txBody>
-                  <a:tcPr/>
-                </a:tc>
-                <a:tc>
-                  <a:txBody>
-                    <a:bodyPr/>
-                    <a:lstStyle/>
-                    <a:p>
-                      <a:endParaRPr lang="es-PE" dirty="0"/>
-                    </a:p>
-                  </a:txBody>
-                  <a:tcPr/>
-                </a:tc>
-                <a:tc>
-                  <a:txBody>
-                    <a:bodyPr/>
-                    <a:lstStyle/>
-                    <a:p>
-                      <a:endParaRPr lang="es-PE"/>
+                      <a:r>
+                        <a:rPr lang="es-PE" dirty="0"/>
+                        <a:t>217</a:t>
+                      </a:r>
+                    </a:p>
+                  </a:txBody>
+                  <a:tcPr/>
+                </a:tc>
+                <a:tc>
+                  <a:txBody>
+                    <a:bodyPr/>
+                    <a:lstStyle/>
+                    <a:p>
+                      <a:r>
+                        <a:rPr lang="es-PE" dirty="0"/>
+                        <a:t>246</a:t>
+                      </a:r>
+                    </a:p>
+                  </a:txBody>
+                  <a:tcPr/>
+                </a:tc>
+                <a:tc>
+                  <a:txBody>
+                    <a:bodyPr/>
+                    <a:lstStyle/>
+                    <a:p>
+                      <a:r>
+                        <a:rPr lang="es-PE" dirty="0"/>
+                        <a:t>291</a:t>
+                      </a:r>
+                    </a:p>
+                  </a:txBody>
+                  <a:tcPr/>
+                </a:tc>
+                <a:tc>
+                  <a:txBody>
+                    <a:bodyPr/>
+                    <a:lstStyle/>
+                    <a:p>
+                      <a:r>
+                        <a:rPr lang="es-PE" dirty="0"/>
+                        <a:t>258</a:t>
+                      </a:r>
+                    </a:p>
+                  </a:txBody>
+                  <a:tcPr/>
+                </a:tc>
+                <a:tc>
+                  <a:txBody>
+                    <a:bodyPr/>
+                    <a:lstStyle/>
+                    <a:p>
+                      <a:r>
+                        <a:rPr lang="es-PE" dirty="0"/>
+                        <a:t>0.190</a:t>
+                      </a:r>
                     </a:p>
                   </a:txBody>
                   <a:tcPr/>
@@ -8257,47 +8401,62 @@
                     <a:bodyPr/>
                     <a:lstStyle/>
                     <a:p>
-                      <a:endParaRPr lang="es-PE" dirty="0"/>
-                    </a:p>
-                  </a:txBody>
-                  <a:tcPr/>
-                </a:tc>
-                <a:tc>
-                  <a:txBody>
-                    <a:bodyPr/>
-                    <a:lstStyle/>
-                    <a:p>
-                      <a:endParaRPr lang="es-PE"/>
-                    </a:p>
-                  </a:txBody>
-                  <a:tcPr/>
-                </a:tc>
-                <a:tc>
-                  <a:txBody>
-                    <a:bodyPr/>
-                    <a:lstStyle/>
-                    <a:p>
-                      <a:endParaRPr lang="es-PE"/>
-                    </a:p>
-                  </a:txBody>
-                  <a:tcPr/>
-                </a:tc>
-                <a:tc>
-                  <a:txBody>
-                    <a:bodyPr/>
-                    <a:lstStyle/>
-                    <a:p>
-                      <a:endParaRPr lang="es-PE"/>
-                    </a:p>
-                  </a:txBody>
-                  <a:tcPr/>
-                </a:tc>
-                <a:tc>
-                  <a:txBody>
-                    <a:bodyPr/>
-                    <a:lstStyle/>
-                    <a:p>
-                      <a:endParaRPr lang="es-PE"/>
+                      <a:r>
+                        <a:rPr lang="es-PE" dirty="0"/>
+                        <a:t>687</a:t>
+                      </a:r>
+                    </a:p>
+                  </a:txBody>
+                  <a:tcPr/>
+                </a:tc>
+                <a:tc>
+                  <a:txBody>
+                    <a:bodyPr/>
+                    <a:lstStyle/>
+                    <a:p>
+                      <a:r>
+                        <a:rPr lang="es-PE" dirty="0"/>
+                        <a:t>689</a:t>
+                      </a:r>
+                    </a:p>
+                  </a:txBody>
+                  <a:tcPr/>
+                </a:tc>
+                <a:tc>
+                  <a:txBody>
+                    <a:bodyPr/>
+                    <a:lstStyle/>
+                    <a:p>
+                      <a:r>
+                        <a:rPr lang="es-PE" dirty="0"/>
+                        <a:t>328</a:t>
+                      </a:r>
+                    </a:p>
+                  </a:txBody>
+                  <a:tcPr/>
+                </a:tc>
+                <a:tc>
+                  <a:txBody>
+                    <a:bodyPr/>
+                    <a:lstStyle/>
+                    <a:p>
+                      <a:r>
+                        <a:rPr lang="es-PE" dirty="0"/>
+                        <a:t>232</a:t>
+                      </a:r>
+                    </a:p>
+                  </a:txBody>
+                  <a:tcPr/>
+                </a:tc>
+                <a:tc>
+                  <a:txBody>
+                    <a:bodyPr/>
+                    <a:lstStyle/>
+                    <a:p>
+                      <a:r>
+                        <a:rPr lang="es-PE" dirty="0"/>
+                        <a:t>0.229</a:t>
+                      </a:r>
                     </a:p>
                   </a:txBody>
                   <a:tcPr/>
@@ -8332,47 +8491,62 @@
                     <a:bodyPr/>
                     <a:lstStyle/>
                     <a:p>
-                      <a:endParaRPr lang="es-PE" dirty="0"/>
-                    </a:p>
-                  </a:txBody>
-                  <a:tcPr/>
-                </a:tc>
-                <a:tc>
-                  <a:txBody>
-                    <a:bodyPr/>
-                    <a:lstStyle/>
-                    <a:p>
-                      <a:endParaRPr lang="es-PE"/>
-                    </a:p>
-                  </a:txBody>
-                  <a:tcPr/>
-                </a:tc>
-                <a:tc>
-                  <a:txBody>
-                    <a:bodyPr/>
-                    <a:lstStyle/>
-                    <a:p>
-                      <a:endParaRPr lang="es-PE"/>
-                    </a:p>
-                  </a:txBody>
-                  <a:tcPr/>
-                </a:tc>
-                <a:tc>
-                  <a:txBody>
-                    <a:bodyPr/>
-                    <a:lstStyle/>
-                    <a:p>
-                      <a:endParaRPr lang="es-PE"/>
-                    </a:p>
-                  </a:txBody>
-                  <a:tcPr/>
-                </a:tc>
-                <a:tc>
-                  <a:txBody>
-                    <a:bodyPr/>
-                    <a:lstStyle/>
-                    <a:p>
-                      <a:endParaRPr lang="es-PE" dirty="0"/>
+                      <a:r>
+                        <a:rPr lang="es-PE" dirty="0"/>
+                        <a:t>683</a:t>
+                      </a:r>
+                    </a:p>
+                  </a:txBody>
+                  <a:tcPr/>
+                </a:tc>
+                <a:tc>
+                  <a:txBody>
+                    <a:bodyPr/>
+                    <a:lstStyle/>
+                    <a:p>
+                      <a:r>
+                        <a:rPr lang="es-PE" dirty="0"/>
+                        <a:t>680</a:t>
+                      </a:r>
+                    </a:p>
+                  </a:txBody>
+                  <a:tcPr/>
+                </a:tc>
+                <a:tc>
+                  <a:txBody>
+                    <a:bodyPr/>
+                    <a:lstStyle/>
+                    <a:p>
+                      <a:r>
+                        <a:rPr lang="es-PE" dirty="0"/>
+                        <a:t>337</a:t>
+                      </a:r>
+                    </a:p>
+                  </a:txBody>
+                  <a:tcPr/>
+                </a:tc>
+                <a:tc>
+                  <a:txBody>
+                    <a:bodyPr/>
+                    <a:lstStyle/>
+                    <a:p>
+                      <a:r>
+                        <a:rPr lang="es-PE" dirty="0"/>
+                        <a:t>266</a:t>
+                      </a:r>
+                    </a:p>
+                  </a:txBody>
+                  <a:tcPr/>
+                </a:tc>
+                <a:tc>
+                  <a:txBody>
+                    <a:bodyPr/>
+                    <a:lstStyle/>
+                    <a:p>
+                      <a:r>
+                        <a:rPr lang="es-PE" dirty="0"/>
+                        <a:t>0.72</a:t>
+                      </a:r>
                     </a:p>
                   </a:txBody>
                   <a:tcPr/>
@@ -8485,6 +8659,11 @@
           </p:cNvGraphicFramePr>
           <p:nvPr>
             <p:ph idx="1"/>
+            <p:extLst>
+              <p:ext uri="{D42A27DB-BD31-4B8C-83A1-F6EECF244321}">
+                <p14:modId xmlns:p14="http://schemas.microsoft.com/office/powerpoint/2010/main" val="1354878111"/>
+              </p:ext>
+            </p:extLst>
           </p:nvPr>
         </p:nvGraphicFramePr>
         <p:xfrm>
@@ -8652,47 +8831,62 @@
                     <a:bodyPr/>
                     <a:lstStyle/>
                     <a:p>
-                      <a:endParaRPr lang="es-PE" dirty="0"/>
-                    </a:p>
-                  </a:txBody>
-                  <a:tcPr/>
-                </a:tc>
-                <a:tc>
-                  <a:txBody>
-                    <a:bodyPr/>
-                    <a:lstStyle/>
-                    <a:p>
-                      <a:endParaRPr lang="es-PE" dirty="0"/>
-                    </a:p>
-                  </a:txBody>
-                  <a:tcPr/>
-                </a:tc>
-                <a:tc>
-                  <a:txBody>
-                    <a:bodyPr/>
-                    <a:lstStyle/>
-                    <a:p>
-                      <a:endParaRPr lang="es-PE" dirty="0"/>
-                    </a:p>
-                  </a:txBody>
-                  <a:tcPr/>
-                </a:tc>
-                <a:tc>
-                  <a:txBody>
-                    <a:bodyPr/>
-                    <a:lstStyle/>
-                    <a:p>
-                      <a:endParaRPr lang="es-PE" dirty="0"/>
-                    </a:p>
-                  </a:txBody>
-                  <a:tcPr/>
-                </a:tc>
-                <a:tc>
-                  <a:txBody>
-                    <a:bodyPr/>
-                    <a:lstStyle/>
-                    <a:p>
-                      <a:endParaRPr lang="es-PE"/>
+                      <a:r>
+                        <a:rPr lang="es-PE" dirty="0"/>
+                        <a:t>264</a:t>
+                      </a:r>
+                    </a:p>
+                  </a:txBody>
+                  <a:tcPr/>
+                </a:tc>
+                <a:tc>
+                  <a:txBody>
+                    <a:bodyPr/>
+                    <a:lstStyle/>
+                    <a:p>
+                      <a:r>
+                        <a:rPr lang="es-PE" dirty="0"/>
+                        <a:t>276</a:t>
+                      </a:r>
+                    </a:p>
+                  </a:txBody>
+                  <a:tcPr/>
+                </a:tc>
+                <a:tc>
+                  <a:txBody>
+                    <a:bodyPr/>
+                    <a:lstStyle/>
+                    <a:p>
+                      <a:r>
+                        <a:rPr lang="es-PE" dirty="0"/>
+                        <a:t>292</a:t>
+                      </a:r>
+                    </a:p>
+                  </a:txBody>
+                  <a:tcPr/>
+                </a:tc>
+                <a:tc>
+                  <a:txBody>
+                    <a:bodyPr/>
+                    <a:lstStyle/>
+                    <a:p>
+                      <a:r>
+                        <a:rPr lang="es-PE" dirty="0"/>
+                        <a:t>266</a:t>
+                      </a:r>
+                    </a:p>
+                  </a:txBody>
+                  <a:tcPr/>
+                </a:tc>
+                <a:tc>
+                  <a:txBody>
+                    <a:bodyPr/>
+                    <a:lstStyle/>
+                    <a:p>
+                      <a:r>
+                        <a:rPr lang="es-PE" dirty="0"/>
+                        <a:t>0.407</a:t>
+                      </a:r>
                     </a:p>
                   </a:txBody>
                   <a:tcPr/>
@@ -8727,47 +8921,62 @@
                     <a:bodyPr/>
                     <a:lstStyle/>
                     <a:p>
-                      <a:endParaRPr lang="es-PE" dirty="0"/>
-                    </a:p>
-                  </a:txBody>
-                  <a:tcPr/>
-                </a:tc>
-                <a:tc>
-                  <a:txBody>
-                    <a:bodyPr/>
-                    <a:lstStyle/>
-                    <a:p>
-                      <a:endParaRPr lang="es-PE"/>
-                    </a:p>
-                  </a:txBody>
-                  <a:tcPr/>
-                </a:tc>
-                <a:tc>
-                  <a:txBody>
-                    <a:bodyPr/>
-                    <a:lstStyle/>
-                    <a:p>
-                      <a:endParaRPr lang="es-PE"/>
-                    </a:p>
-                  </a:txBody>
-                  <a:tcPr/>
-                </a:tc>
-                <a:tc>
-                  <a:txBody>
-                    <a:bodyPr/>
-                    <a:lstStyle/>
-                    <a:p>
-                      <a:endParaRPr lang="es-PE"/>
-                    </a:p>
-                  </a:txBody>
-                  <a:tcPr/>
-                </a:tc>
-                <a:tc>
-                  <a:txBody>
-                    <a:bodyPr/>
-                    <a:lstStyle/>
-                    <a:p>
-                      <a:endParaRPr lang="es-PE"/>
+                      <a:r>
+                        <a:rPr lang="es-PE" dirty="0"/>
+                        <a:t>681</a:t>
+                      </a:r>
+                    </a:p>
+                  </a:txBody>
+                  <a:tcPr/>
+                </a:tc>
+                <a:tc>
+                  <a:txBody>
+                    <a:bodyPr/>
+                    <a:lstStyle/>
+                    <a:p>
+                      <a:r>
+                        <a:rPr lang="es-PE" dirty="0"/>
+                        <a:t>681</a:t>
+                      </a:r>
+                    </a:p>
+                  </a:txBody>
+                  <a:tcPr/>
+                </a:tc>
+                <a:tc>
+                  <a:txBody>
+                    <a:bodyPr/>
+                    <a:lstStyle/>
+                    <a:p>
+                      <a:r>
+                        <a:rPr lang="es-PE" dirty="0"/>
+                        <a:t>320</a:t>
+                      </a:r>
+                    </a:p>
+                  </a:txBody>
+                  <a:tcPr/>
+                </a:tc>
+                <a:tc>
+                  <a:txBody>
+                    <a:bodyPr/>
+                    <a:lstStyle/>
+                    <a:p>
+                      <a:r>
+                        <a:rPr lang="es-PE" dirty="0"/>
+                        <a:t>253</a:t>
+                      </a:r>
+                    </a:p>
+                  </a:txBody>
+                  <a:tcPr/>
+                </a:tc>
+                <a:tc>
+                  <a:txBody>
+                    <a:bodyPr/>
+                    <a:lstStyle/>
+                    <a:p>
+                      <a:r>
+                        <a:rPr lang="es-PE" dirty="0"/>
+                        <a:t>0.348</a:t>
+                      </a:r>
                     </a:p>
                   </a:txBody>
                   <a:tcPr/>
@@ -8802,47 +9011,62 @@
                     <a:bodyPr/>
                     <a:lstStyle/>
                     <a:p>
-                      <a:endParaRPr lang="es-PE" dirty="0"/>
-                    </a:p>
-                  </a:txBody>
-                  <a:tcPr/>
-                </a:tc>
-                <a:tc>
-                  <a:txBody>
-                    <a:bodyPr/>
-                    <a:lstStyle/>
-                    <a:p>
-                      <a:endParaRPr lang="es-PE"/>
-                    </a:p>
-                  </a:txBody>
-                  <a:tcPr/>
-                </a:tc>
-                <a:tc>
-                  <a:txBody>
-                    <a:bodyPr/>
-                    <a:lstStyle/>
-                    <a:p>
-                      <a:endParaRPr lang="es-PE"/>
-                    </a:p>
-                  </a:txBody>
-                  <a:tcPr/>
-                </a:tc>
-                <a:tc>
-                  <a:txBody>
-                    <a:bodyPr/>
-                    <a:lstStyle/>
-                    <a:p>
-                      <a:endParaRPr lang="es-PE"/>
-                    </a:p>
-                  </a:txBody>
-                  <a:tcPr/>
-                </a:tc>
-                <a:tc>
-                  <a:txBody>
-                    <a:bodyPr/>
-                    <a:lstStyle/>
-                    <a:p>
-                      <a:endParaRPr lang="es-PE" dirty="0"/>
+                      <a:r>
+                        <a:rPr lang="es-PE" dirty="0"/>
+                        <a:t>120</a:t>
+                      </a:r>
+                    </a:p>
+                  </a:txBody>
+                  <a:tcPr/>
+                </a:tc>
+                <a:tc>
+                  <a:txBody>
+                    <a:bodyPr/>
+                    <a:lstStyle/>
+                    <a:p>
+                      <a:r>
+                        <a:rPr lang="es-PE" dirty="0"/>
+                        <a:t>125</a:t>
+                      </a:r>
+                    </a:p>
+                  </a:txBody>
+                  <a:tcPr/>
+                </a:tc>
+                <a:tc>
+                  <a:txBody>
+                    <a:bodyPr/>
+                    <a:lstStyle/>
+                    <a:p>
+                      <a:r>
+                        <a:rPr lang="es-PE" dirty="0"/>
+                        <a:t>304</a:t>
+                      </a:r>
+                    </a:p>
+                  </a:txBody>
+                  <a:tcPr/>
+                </a:tc>
+                <a:tc>
+                  <a:txBody>
+                    <a:bodyPr/>
+                    <a:lstStyle/>
+                    <a:p>
+                      <a:r>
+                        <a:rPr lang="es-PE" dirty="0"/>
+                        <a:t>545</a:t>
+                      </a:r>
+                    </a:p>
+                  </a:txBody>
+                  <a:tcPr/>
+                </a:tc>
+                <a:tc>
+                  <a:txBody>
+                    <a:bodyPr/>
+                    <a:lstStyle/>
+                    <a:p>
+                      <a:r>
+                        <a:rPr lang="es-PE" dirty="0"/>
+                        <a:t>39</a:t>
+                      </a:r>
                     </a:p>
                   </a:txBody>
                   <a:tcPr/>
@@ -9721,6 +9945,17 @@
 </file>
 
 <file path=customXml/item1.xml><?xml version="1.0" encoding="utf-8"?>
+<p:properties xmlns:p="http://schemas.microsoft.com/office/2006/metadata/properties" xmlns:xsi="http://www.w3.org/2001/XMLSchema-instance" xmlns:pc="http://schemas.microsoft.com/office/infopath/2007/PartnerControls">
+  <documentManagement>
+    <VSO_x0020_item_x0020_id xmlns="40262f94-9f35-4ac3-9a90-690165a166b7" xsi:nil="true"/>
+    <Assetid_x0020_ xmlns="40262f94-9f35-4ac3-9a90-690165a166b7" xsi:nil="true"/>
+    <Item_x0020_Details xmlns="40262f94-9f35-4ac3-9a90-690165a166b7" xsi:nil="true"/>
+    <Template_x0020_details xmlns="40262f94-9f35-4ac3-9a90-690165a166b7" xsi:nil="true"/>
+  </documentManagement>
+</p:properties>
+</file>
+
+<file path=customXml/item2.xml><?xml version="1.0" encoding="utf-8"?>
 <ct:contentTypeSchema xmlns:ct="http://schemas.microsoft.com/office/2006/metadata/contentType" xmlns:ma="http://schemas.microsoft.com/office/2006/metadata/properties/metaAttributes" ct:_="" ma:_="" ma:contentTypeName="Document" ma:contentTypeID="0x010100AA3F7D94069FF64A86F7DFF56D60E3BE" ma:contentTypeVersion="6" ma:contentTypeDescription="Create a new document." ma:contentTypeScope="" ma:versionID="c32302c77d4085ecf495bdddb7f5e889">
   <xsd:schema xmlns:xsd="http://www.w3.org/2001/XMLSchema" xmlns:xs="http://www.w3.org/2001/XMLSchema" xmlns:p="http://schemas.microsoft.com/office/2006/metadata/properties" xmlns:ns2="a4f35948-e619-41b3-aa29-22878b09cfd2" xmlns:ns3="40262f94-9f35-4ac3-9a90-690165a166b7" targetNamespace="http://schemas.microsoft.com/office/2006/metadata/properties" ma:root="true" ma:fieldsID="4ab5ae46be95f9d0be6107e8200be7a2" ns2:_="" ns3:_="">
     <xsd:import namespace="a4f35948-e619-41b3-aa29-22878b09cfd2"/>
@@ -9901,17 +10136,6 @@
 </ct:contentTypeSchema>
 </file>
 
-<file path=customXml/item2.xml><?xml version="1.0" encoding="utf-8"?>
-<p:properties xmlns:p="http://schemas.microsoft.com/office/2006/metadata/properties" xmlns:xsi="http://www.w3.org/2001/XMLSchema-instance" xmlns:pc="http://schemas.microsoft.com/office/infopath/2007/PartnerControls">
-  <documentManagement>
-    <VSO_x0020_item_x0020_id xmlns="40262f94-9f35-4ac3-9a90-690165a166b7" xsi:nil="true"/>
-    <Assetid_x0020_ xmlns="40262f94-9f35-4ac3-9a90-690165a166b7" xsi:nil="true"/>
-    <Item_x0020_Details xmlns="40262f94-9f35-4ac3-9a90-690165a166b7" xsi:nil="true"/>
-    <Template_x0020_details xmlns="40262f94-9f35-4ac3-9a90-690165a166b7" xsi:nil="true"/>
-  </documentManagement>
-</p:properties>
-</file>
-
 <file path=customXml/item3.xml><?xml version="1.0" encoding="utf-8"?>
 <?mso-contentType ?>
 <FormTemplates xmlns="http://schemas.microsoft.com/sharepoint/v3/contenttype/forms">
@@ -9922,6 +10146,23 @@
 </file>
 
 <file path=customXml/itemProps1.xml><?xml version="1.0" encoding="utf-8"?>
+<ds:datastoreItem xmlns:ds="http://schemas.openxmlformats.org/officeDocument/2006/customXml" ds:itemID="{3FFF1070-8794-47AC-90B7-1F2E078096FF}">
+  <ds:schemaRefs>
+    <ds:schemaRef ds:uri="40262f94-9f35-4ac3-9a90-690165a166b7"/>
+    <ds:schemaRef ds:uri="http://purl.org/dc/dcmitype/"/>
+    <ds:schemaRef ds:uri="http://purl.org/dc/elements/1.1/"/>
+    <ds:schemaRef ds:uri="http://schemas.microsoft.com/office/2006/documentManagement/types"/>
+    <ds:schemaRef ds:uri="http://schemas.microsoft.com/office/infopath/2007/PartnerControls"/>
+    <ds:schemaRef ds:uri="http://schemas.microsoft.com/office/2006/metadata/properties"/>
+    <ds:schemaRef ds:uri="a4f35948-e619-41b3-aa29-22878b09cfd2"/>
+    <ds:schemaRef ds:uri="http://www.w3.org/XML/1998/namespace"/>
+    <ds:schemaRef ds:uri="http://schemas.openxmlformats.org/package/2006/metadata/core-properties"/>
+    <ds:schemaRef ds:uri="http://purl.org/dc/terms/"/>
+  </ds:schemaRefs>
+</ds:datastoreItem>
+</file>
+
+<file path=customXml/itemProps2.xml><?xml version="1.0" encoding="utf-8"?>
 <ds:datastoreItem xmlns:ds="http://schemas.openxmlformats.org/officeDocument/2006/customXml" ds:itemID="{7CB30B94-6D3B-4C91-947C-5EB8E8EFFE4F}">
   <ds:schemaRefs>
     <ds:schemaRef ds:uri="http://schemas.microsoft.com/office/2006/metadata/contentType"/>
@@ -9940,23 +10181,6 @@
 </ds:datastoreItem>
 </file>
 
-<file path=customXml/itemProps2.xml><?xml version="1.0" encoding="utf-8"?>
-<ds:datastoreItem xmlns:ds="http://schemas.openxmlformats.org/officeDocument/2006/customXml" ds:itemID="{3FFF1070-8794-47AC-90B7-1F2E078096FF}">
-  <ds:schemaRefs>
-    <ds:schemaRef ds:uri="40262f94-9f35-4ac3-9a90-690165a166b7"/>
-    <ds:schemaRef ds:uri="http://purl.org/dc/dcmitype/"/>
-    <ds:schemaRef ds:uri="http://purl.org/dc/elements/1.1/"/>
-    <ds:schemaRef ds:uri="http://schemas.microsoft.com/office/2006/documentManagement/types"/>
-    <ds:schemaRef ds:uri="http://schemas.microsoft.com/office/infopath/2007/PartnerControls"/>
-    <ds:schemaRef ds:uri="http://schemas.microsoft.com/office/2006/metadata/properties"/>
-    <ds:schemaRef ds:uri="a4f35948-e619-41b3-aa29-22878b09cfd2"/>
-    <ds:schemaRef ds:uri="http://www.w3.org/XML/1998/namespace"/>
-    <ds:schemaRef ds:uri="http://schemas.openxmlformats.org/package/2006/metadata/core-properties"/>
-    <ds:schemaRef ds:uri="http://purl.org/dc/terms/"/>
-  </ds:schemaRefs>
-</ds:datastoreItem>
-</file>
-
 <file path=customXml/itemProps3.xml><?xml version="1.0" encoding="utf-8"?>
 <ds:datastoreItem xmlns:ds="http://schemas.openxmlformats.org/officeDocument/2006/customXml" ds:itemID="{653E1689-1E09-4ADC-A5E7-6718BF79A8A6}">
   <ds:schemaRefs>
